--- a/presentation.pptx
+++ b/presentation.pptx
@@ -12,22 +12,25 @@
     <p:sldId id="260" r:id="rId6"/>
     <p:sldId id="261" r:id="rId7"/>
     <p:sldId id="262" r:id="rId8"/>
-    <p:sldId id="264" r:id="rId9"/>
-    <p:sldId id="263" r:id="rId10"/>
-    <p:sldId id="265" r:id="rId11"/>
-    <p:sldId id="267" r:id="rId12"/>
-    <p:sldId id="266" r:id="rId13"/>
-    <p:sldId id="268" r:id="rId14"/>
-    <p:sldId id="269" r:id="rId15"/>
-    <p:sldId id="270" r:id="rId16"/>
-    <p:sldId id="271" r:id="rId17"/>
-    <p:sldId id="272" r:id="rId18"/>
-    <p:sldId id="273" r:id="rId19"/>
-    <p:sldId id="274" r:id="rId20"/>
-    <p:sldId id="275" r:id="rId21"/>
-    <p:sldId id="276" r:id="rId22"/>
-    <p:sldId id="277" r:id="rId23"/>
-    <p:sldId id="278" r:id="rId24"/>
+    <p:sldId id="279" r:id="rId9"/>
+    <p:sldId id="264" r:id="rId10"/>
+    <p:sldId id="263" r:id="rId11"/>
+    <p:sldId id="265" r:id="rId12"/>
+    <p:sldId id="267" r:id="rId13"/>
+    <p:sldId id="266" r:id="rId14"/>
+    <p:sldId id="268" r:id="rId15"/>
+    <p:sldId id="269" r:id="rId16"/>
+    <p:sldId id="270" r:id="rId17"/>
+    <p:sldId id="271" r:id="rId18"/>
+    <p:sldId id="272" r:id="rId19"/>
+    <p:sldId id="273" r:id="rId20"/>
+    <p:sldId id="274" r:id="rId21"/>
+    <p:sldId id="275" r:id="rId22"/>
+    <p:sldId id="276" r:id="rId23"/>
+    <p:sldId id="277" r:id="rId24"/>
+    <p:sldId id="278" r:id="rId25"/>
+    <p:sldId id="280" r:id="rId26"/>
+    <p:sldId id="281" r:id="rId27"/>
   </p:sldIdLst>
   <p:sldSz cx="9144000" cy="6858000" type="screen4x3"/>
   <p:notesSz cx="6858000" cy="9144000"/>
@@ -126,6 +129,22 @@
       </a:defRPr>
     </a:lvl9pPr>
   </p:defaultTextStyle>
+  <p:extLst>
+    <p:ext uri="{EFAFB233-063F-42B5-8137-9DF3F51BA10A}">
+      <p15:sldGuideLst xmlns:p15="http://schemas.microsoft.com/office/powerpoint/2012/main">
+        <p15:guide id="1" orient="horz" pos="2160">
+          <p15:clr>
+            <a:srgbClr val="A4A3A4"/>
+          </p15:clr>
+        </p15:guide>
+        <p15:guide id="2" pos="2880">
+          <p15:clr>
+            <a:srgbClr val="A4A3A4"/>
+          </p15:clr>
+        </p15:guide>
+      </p15:sldGuideLst>
+    </p:ext>
+  </p:extLst>
 </p:presentation>
 </file>
 
@@ -310,7 +329,7 @@
           <a:p>
             <a:fld id="{CFA66603-BCB3-A34D-811D-A6C7A29F7330}" type="datetimeFigureOut">
               <a:rPr lang="en-US" smtClean="0"/>
-              <a:t>11/09/16</a:t>
+              <a:t>9/12/16</a:t>
             </a:fld>
             <a:endParaRPr lang="en-GB"/>
           </a:p>
@@ -480,7 +499,7 @@
           <a:p>
             <a:fld id="{CFA66603-BCB3-A34D-811D-A6C7A29F7330}" type="datetimeFigureOut">
               <a:rPr lang="en-US" smtClean="0"/>
-              <a:t>11/09/16</a:t>
+              <a:t>9/12/16</a:t>
             </a:fld>
             <a:endParaRPr lang="en-GB"/>
           </a:p>
@@ -660,7 +679,7 @@
           <a:p>
             <a:fld id="{CFA66603-BCB3-A34D-811D-A6C7A29F7330}" type="datetimeFigureOut">
               <a:rPr lang="en-US" smtClean="0"/>
-              <a:t>11/09/16</a:t>
+              <a:t>9/12/16</a:t>
             </a:fld>
             <a:endParaRPr lang="en-GB"/>
           </a:p>
@@ -830,7 +849,7 @@
           <a:p>
             <a:fld id="{CFA66603-BCB3-A34D-811D-A6C7A29F7330}" type="datetimeFigureOut">
               <a:rPr lang="en-US" smtClean="0"/>
-              <a:t>11/09/16</a:t>
+              <a:t>9/12/16</a:t>
             </a:fld>
             <a:endParaRPr lang="en-GB"/>
           </a:p>
@@ -1076,7 +1095,7 @@
           <a:p>
             <a:fld id="{CFA66603-BCB3-A34D-811D-A6C7A29F7330}" type="datetimeFigureOut">
               <a:rPr lang="en-US" smtClean="0"/>
-              <a:t>11/09/16</a:t>
+              <a:t>9/12/16</a:t>
             </a:fld>
             <a:endParaRPr lang="en-GB"/>
           </a:p>
@@ -1364,7 +1383,7 @@
           <a:p>
             <a:fld id="{CFA66603-BCB3-A34D-811D-A6C7A29F7330}" type="datetimeFigureOut">
               <a:rPr lang="en-US" smtClean="0"/>
-              <a:t>11/09/16</a:t>
+              <a:t>9/12/16</a:t>
             </a:fld>
             <a:endParaRPr lang="en-GB"/>
           </a:p>
@@ -1786,7 +1805,7 @@
           <a:p>
             <a:fld id="{CFA66603-BCB3-A34D-811D-A6C7A29F7330}" type="datetimeFigureOut">
               <a:rPr lang="en-US" smtClean="0"/>
-              <a:t>11/09/16</a:t>
+              <a:t>9/12/16</a:t>
             </a:fld>
             <a:endParaRPr lang="en-GB"/>
           </a:p>
@@ -1904,7 +1923,7 @@
           <a:p>
             <a:fld id="{CFA66603-BCB3-A34D-811D-A6C7A29F7330}" type="datetimeFigureOut">
               <a:rPr lang="en-US" smtClean="0"/>
-              <a:t>11/09/16</a:t>
+              <a:t>9/12/16</a:t>
             </a:fld>
             <a:endParaRPr lang="en-GB"/>
           </a:p>
@@ -1999,7 +2018,7 @@
           <a:p>
             <a:fld id="{CFA66603-BCB3-A34D-811D-A6C7A29F7330}" type="datetimeFigureOut">
               <a:rPr lang="en-US" smtClean="0"/>
-              <a:t>11/09/16</a:t>
+              <a:t>9/12/16</a:t>
             </a:fld>
             <a:endParaRPr lang="en-GB"/>
           </a:p>
@@ -2276,7 +2295,7 @@
           <a:p>
             <a:fld id="{CFA66603-BCB3-A34D-811D-A6C7A29F7330}" type="datetimeFigureOut">
               <a:rPr lang="en-US" smtClean="0"/>
-              <a:t>11/09/16</a:t>
+              <a:t>9/12/16</a:t>
             </a:fld>
             <a:endParaRPr lang="en-GB"/>
           </a:p>
@@ -2529,7 +2548,7 @@
           <a:p>
             <a:fld id="{CFA66603-BCB3-A34D-811D-A6C7A29F7330}" type="datetimeFigureOut">
               <a:rPr lang="en-US" smtClean="0"/>
-              <a:t>11/09/16</a:t>
+              <a:t>9/12/16</a:t>
             </a:fld>
             <a:endParaRPr lang="en-GB"/>
           </a:p>
@@ -2742,7 +2761,7 @@
           <a:p>
             <a:fld id="{CFA66603-BCB3-A34D-811D-A6C7A29F7330}" type="datetimeFigureOut">
               <a:rPr lang="en-US" smtClean="0"/>
-              <a:t>11/09/16</a:t>
+              <a:t>9/12/16</a:t>
             </a:fld>
             <a:endParaRPr lang="en-GB"/>
           </a:p>
@@ -3193,6 +3212,36 @@
           <a:chExt cx="0" cy="0"/>
         </a:xfrm>
       </p:grpSpPr>
+      <p:sp>
+        <p:nvSpPr>
+          <p:cNvPr id="2" name="Title 1"/>
+          <p:cNvSpPr>
+            <a:spLocks noGrp="1"/>
+          </p:cNvSpPr>
+          <p:nvPr>
+            <p:ph type="title"/>
+          </p:nvPr>
+        </p:nvSpPr>
+        <p:spPr>
+          <a:xfrm>
+            <a:off x="457200" y="274637"/>
+            <a:ext cx="4517320" cy="6319471"/>
+          </a:xfrm>
+        </p:spPr>
+        <p:txBody>
+          <a:bodyPr>
+            <a:normAutofit/>
+          </a:bodyPr>
+          <a:lstStyle/>
+          <a:p>
+            <a:r>
+              <a:rPr lang="en-GB" dirty="0" smtClean="0"/>
+              <a:t>Look at this design: which existing Bootstrap components can we use?</a:t>
+            </a:r>
+            <a:endParaRPr lang="en-GB" dirty="0"/>
+          </a:p>
+        </p:txBody>
+      </p:sp>
       <p:pic>
         <p:nvPicPr>
           <p:cNvPr id="4" name="Content Placeholder 3"/>
@@ -3215,556 +3264,10 @@
           </a:xfrm>
         </p:spPr>
       </p:pic>
-      <p:sp>
-        <p:nvSpPr>
-          <p:cNvPr id="5" name="TextBox 4"/>
-          <p:cNvSpPr txBox="1"/>
-          <p:nvPr/>
-        </p:nvSpPr>
-        <p:spPr>
-          <a:xfrm>
-            <a:off x="260716" y="538295"/>
-            <a:ext cx="4713804" cy="2308324"/>
-          </a:xfrm>
-          <a:prstGeom prst="rect">
-            <a:avLst/>
-          </a:prstGeom>
-          <a:noFill/>
-        </p:spPr>
-        <p:txBody>
-          <a:bodyPr wrap="square" rtlCol="0">
-            <a:spAutoFit/>
-          </a:bodyPr>
-          <a:lstStyle/>
-          <a:p>
-            <a:pPr marL="285750" indent="-285750">
-              <a:buFont typeface="Arial"/>
-              <a:buChar char="•"/>
-            </a:pPr>
-            <a:r>
-              <a:rPr lang="en-GB" dirty="0" err="1" smtClean="0"/>
-              <a:t>Navbar</a:t>
-            </a:r>
-            <a:endParaRPr lang="en-GB" dirty="0" smtClean="0"/>
-          </a:p>
-          <a:p>
-            <a:pPr marL="285750" indent="-285750">
-              <a:buFont typeface="Arial"/>
-              <a:buChar char="•"/>
-            </a:pPr>
-            <a:r>
-              <a:rPr lang="en-GB" dirty="0" err="1" smtClean="0"/>
-              <a:t>Jumbotron</a:t>
-            </a:r>
-            <a:endParaRPr lang="en-GB" dirty="0" smtClean="0"/>
-          </a:p>
-          <a:p>
-            <a:pPr marL="285750" indent="-285750">
-              <a:buFont typeface="Arial"/>
-              <a:buChar char="•"/>
-            </a:pPr>
-            <a:r>
-              <a:rPr lang="en-GB" dirty="0" smtClean="0"/>
-              <a:t>Input group</a:t>
-            </a:r>
-          </a:p>
-          <a:p>
-            <a:pPr marL="285750" indent="-285750">
-              <a:buFont typeface="Arial"/>
-              <a:buChar char="•"/>
-            </a:pPr>
-            <a:r>
-              <a:rPr lang="en-GB" dirty="0" smtClean="0"/>
-              <a:t>Media object</a:t>
-            </a:r>
-          </a:p>
-          <a:p>
-            <a:pPr marL="285750" indent="-285750">
-              <a:buFont typeface="Arial"/>
-              <a:buChar char="•"/>
-            </a:pPr>
-            <a:r>
-              <a:rPr lang="en-GB" dirty="0" smtClean="0"/>
-              <a:t>Panel</a:t>
-            </a:r>
-          </a:p>
-          <a:p>
-            <a:pPr marL="285750" indent="-285750">
-              <a:buFont typeface="Arial"/>
-              <a:buChar char="•"/>
-            </a:pPr>
-            <a:r>
-              <a:rPr lang="en-GB" dirty="0" smtClean="0"/>
-              <a:t>Lists</a:t>
-            </a:r>
-          </a:p>
-          <a:p>
-            <a:pPr marL="285750" indent="-285750">
-              <a:buFont typeface="Arial"/>
-              <a:buChar char="•"/>
-            </a:pPr>
-            <a:r>
-              <a:rPr lang="en-GB" dirty="0" smtClean="0"/>
-              <a:t>Buttons</a:t>
-            </a:r>
-          </a:p>
-          <a:p>
-            <a:pPr marL="285750" indent="-285750">
-              <a:buFont typeface="Arial"/>
-              <a:buChar char="•"/>
-            </a:pPr>
-            <a:r>
-              <a:rPr lang="en-GB" dirty="0" smtClean="0"/>
-              <a:t>Forms</a:t>
-            </a:r>
-            <a:endParaRPr lang="en-GB" dirty="0"/>
-          </a:p>
-        </p:txBody>
-      </p:sp>
-      <p:sp>
-        <p:nvSpPr>
-          <p:cNvPr id="6" name="Rectangle 5"/>
-          <p:cNvSpPr/>
-          <p:nvPr/>
-        </p:nvSpPr>
-        <p:spPr>
-          <a:xfrm>
-            <a:off x="4974520" y="274637"/>
-            <a:ext cx="2767193" cy="263658"/>
-          </a:xfrm>
-          <a:prstGeom prst="rect">
-            <a:avLst/>
-          </a:prstGeom>
-          <a:noFill/>
-          <a:ln>
-            <a:solidFill>
-              <a:srgbClr val="0000FF"/>
-            </a:solidFill>
-          </a:ln>
-        </p:spPr>
-        <p:style>
-          <a:lnRef idx="2">
-            <a:schemeClr val="accent2"/>
-          </a:lnRef>
-          <a:fillRef idx="1">
-            <a:schemeClr val="lt1"/>
-          </a:fillRef>
-          <a:effectRef idx="0">
-            <a:schemeClr val="accent2"/>
-          </a:effectRef>
-          <a:fontRef idx="minor">
-            <a:schemeClr val="dk1"/>
-          </a:fontRef>
-        </p:style>
-        <p:txBody>
-          <a:bodyPr rtlCol="0" anchor="ctr"/>
-          <a:lstStyle/>
-          <a:p>
-            <a:pPr algn="ctr"/>
-            <a:endParaRPr lang="en-GB"/>
-          </a:p>
-        </p:txBody>
-      </p:sp>
-      <p:sp>
-        <p:nvSpPr>
-          <p:cNvPr id="7" name="Rectangle 6"/>
-          <p:cNvSpPr/>
-          <p:nvPr/>
-        </p:nvSpPr>
-        <p:spPr>
-          <a:xfrm>
-            <a:off x="4974520" y="514067"/>
-            <a:ext cx="2767193" cy="1462484"/>
-          </a:xfrm>
-          <a:prstGeom prst="rect">
-            <a:avLst/>
-          </a:prstGeom>
-          <a:noFill/>
-          <a:ln>
-            <a:solidFill>
-              <a:srgbClr val="0000FF"/>
-            </a:solidFill>
-          </a:ln>
-        </p:spPr>
-        <p:style>
-          <a:lnRef idx="2">
-            <a:schemeClr val="accent2"/>
-          </a:lnRef>
-          <a:fillRef idx="1">
-            <a:schemeClr val="lt1"/>
-          </a:fillRef>
-          <a:effectRef idx="0">
-            <a:schemeClr val="accent2"/>
-          </a:effectRef>
-          <a:fontRef idx="minor">
-            <a:schemeClr val="dk1"/>
-          </a:fontRef>
-        </p:style>
-        <p:txBody>
-          <a:bodyPr rtlCol="0" anchor="ctr"/>
-          <a:lstStyle/>
-          <a:p>
-            <a:pPr algn="ctr"/>
-            <a:endParaRPr lang="en-GB"/>
-          </a:p>
-        </p:txBody>
-      </p:sp>
-      <p:sp>
-        <p:nvSpPr>
-          <p:cNvPr id="8" name="Rectangle 7"/>
-          <p:cNvSpPr/>
-          <p:nvPr/>
-        </p:nvSpPr>
-        <p:spPr>
-          <a:xfrm>
-            <a:off x="5757686" y="1783101"/>
-            <a:ext cx="1819913" cy="193450"/>
-          </a:xfrm>
-          <a:prstGeom prst="rect">
-            <a:avLst/>
-          </a:prstGeom>
-          <a:noFill/>
-          <a:ln>
-            <a:solidFill>
-              <a:srgbClr val="0000FF"/>
-            </a:solidFill>
-          </a:ln>
-        </p:spPr>
-        <p:style>
-          <a:lnRef idx="2">
-            <a:schemeClr val="accent2"/>
-          </a:lnRef>
-          <a:fillRef idx="1">
-            <a:schemeClr val="lt1"/>
-          </a:fillRef>
-          <a:effectRef idx="0">
-            <a:schemeClr val="accent2"/>
-          </a:effectRef>
-          <a:fontRef idx="minor">
-            <a:schemeClr val="dk1"/>
-          </a:fontRef>
-        </p:style>
-        <p:txBody>
-          <a:bodyPr rtlCol="0" anchor="ctr"/>
-          <a:lstStyle/>
-          <a:p>
-            <a:pPr algn="ctr"/>
-            <a:endParaRPr lang="en-GB"/>
-          </a:p>
-        </p:txBody>
-      </p:sp>
-      <p:sp>
-        <p:nvSpPr>
-          <p:cNvPr id="9" name="Rectangle 8"/>
-          <p:cNvSpPr/>
-          <p:nvPr/>
-        </p:nvSpPr>
-        <p:spPr>
-          <a:xfrm>
-            <a:off x="5119527" y="2032225"/>
-            <a:ext cx="1221772" cy="537395"/>
-          </a:xfrm>
-          <a:prstGeom prst="rect">
-            <a:avLst/>
-          </a:prstGeom>
-          <a:noFill/>
-          <a:ln>
-            <a:solidFill>
-              <a:srgbClr val="0000FF"/>
-            </a:solidFill>
-          </a:ln>
-        </p:spPr>
-        <p:style>
-          <a:lnRef idx="2">
-            <a:schemeClr val="accent2"/>
-          </a:lnRef>
-          <a:fillRef idx="1">
-            <a:schemeClr val="lt1"/>
-          </a:fillRef>
-          <a:effectRef idx="0">
-            <a:schemeClr val="accent2"/>
-          </a:effectRef>
-          <a:fontRef idx="minor">
-            <a:schemeClr val="dk1"/>
-          </a:fontRef>
-        </p:style>
-        <p:txBody>
-          <a:bodyPr rtlCol="0" anchor="ctr"/>
-          <a:lstStyle/>
-          <a:p>
-            <a:pPr algn="ctr"/>
-            <a:endParaRPr lang="en-GB"/>
-          </a:p>
-        </p:txBody>
-      </p:sp>
-      <p:sp>
-        <p:nvSpPr>
-          <p:cNvPr id="10" name="Rectangle 9"/>
-          <p:cNvSpPr/>
-          <p:nvPr/>
-        </p:nvSpPr>
-        <p:spPr>
-          <a:xfrm>
-            <a:off x="5172279" y="3356935"/>
-            <a:ext cx="756919" cy="1168104"/>
-          </a:xfrm>
-          <a:prstGeom prst="rect">
-            <a:avLst/>
-          </a:prstGeom>
-          <a:noFill/>
-          <a:ln>
-            <a:solidFill>
-              <a:srgbClr val="0000FF"/>
-            </a:solidFill>
-          </a:ln>
-        </p:spPr>
-        <p:style>
-          <a:lnRef idx="2">
-            <a:schemeClr val="accent2"/>
-          </a:lnRef>
-          <a:fillRef idx="1">
-            <a:schemeClr val="lt1"/>
-          </a:fillRef>
-          <a:effectRef idx="0">
-            <a:schemeClr val="accent2"/>
-          </a:effectRef>
-          <a:fontRef idx="minor">
-            <a:schemeClr val="dk1"/>
-          </a:fontRef>
-        </p:style>
-        <p:txBody>
-          <a:bodyPr rtlCol="0" anchor="ctr"/>
-          <a:lstStyle/>
-          <a:p>
-            <a:pPr algn="ctr"/>
-            <a:endParaRPr lang="en-GB"/>
-          </a:p>
-        </p:txBody>
-      </p:sp>
-      <p:sp>
-        <p:nvSpPr>
-          <p:cNvPr id="11" name="Rectangle 10"/>
-          <p:cNvSpPr/>
-          <p:nvPr/>
-        </p:nvSpPr>
-        <p:spPr>
-          <a:xfrm>
-            <a:off x="7230490" y="6417947"/>
-            <a:ext cx="347110" cy="193450"/>
-          </a:xfrm>
-          <a:prstGeom prst="rect">
-            <a:avLst/>
-          </a:prstGeom>
-          <a:noFill/>
-          <a:ln>
-            <a:solidFill>
-              <a:srgbClr val="0000FF"/>
-            </a:solidFill>
-          </a:ln>
-        </p:spPr>
-        <p:style>
-          <a:lnRef idx="2">
-            <a:schemeClr val="accent2"/>
-          </a:lnRef>
-          <a:fillRef idx="1">
-            <a:schemeClr val="lt1"/>
-          </a:fillRef>
-          <a:effectRef idx="0">
-            <a:schemeClr val="accent2"/>
-          </a:effectRef>
-          <a:fontRef idx="minor">
-            <a:schemeClr val="dk1"/>
-          </a:fontRef>
-        </p:style>
-        <p:txBody>
-          <a:bodyPr rtlCol="0" anchor="ctr"/>
-          <a:lstStyle/>
-          <a:p>
-            <a:pPr algn="ctr"/>
-            <a:endParaRPr lang="en-GB"/>
-          </a:p>
-        </p:txBody>
-      </p:sp>
-      <p:sp>
-        <p:nvSpPr>
-          <p:cNvPr id="12" name="Rectangle 11"/>
-          <p:cNvSpPr/>
-          <p:nvPr/>
-        </p:nvSpPr>
-        <p:spPr>
-          <a:xfrm>
-            <a:off x="5757686" y="6224497"/>
-            <a:ext cx="785457" cy="125698"/>
-          </a:xfrm>
-          <a:prstGeom prst="rect">
-            <a:avLst/>
-          </a:prstGeom>
-          <a:noFill/>
-          <a:ln>
-            <a:solidFill>
-              <a:srgbClr val="0000FF"/>
-            </a:solidFill>
-          </a:ln>
-        </p:spPr>
-        <p:style>
-          <a:lnRef idx="2">
-            <a:schemeClr val="accent2"/>
-          </a:lnRef>
-          <a:fillRef idx="1">
-            <a:schemeClr val="lt1"/>
-          </a:fillRef>
-          <a:effectRef idx="0">
-            <a:schemeClr val="accent2"/>
-          </a:effectRef>
-          <a:fontRef idx="minor">
-            <a:schemeClr val="dk1"/>
-          </a:fontRef>
-        </p:style>
-        <p:txBody>
-          <a:bodyPr rtlCol="0" anchor="ctr"/>
-          <a:lstStyle/>
-          <a:p>
-            <a:pPr algn="ctr"/>
-            <a:endParaRPr lang="en-GB"/>
-          </a:p>
-        </p:txBody>
-      </p:sp>
-      <p:sp>
-        <p:nvSpPr>
-          <p:cNvPr id="13" name="Rectangle 12"/>
-          <p:cNvSpPr/>
-          <p:nvPr/>
-        </p:nvSpPr>
-        <p:spPr>
-          <a:xfrm>
-            <a:off x="6616545" y="6216086"/>
-            <a:ext cx="288238" cy="125698"/>
-          </a:xfrm>
-          <a:prstGeom prst="rect">
-            <a:avLst/>
-          </a:prstGeom>
-          <a:noFill/>
-          <a:ln>
-            <a:solidFill>
-              <a:srgbClr val="0000FF"/>
-            </a:solidFill>
-          </a:ln>
-        </p:spPr>
-        <p:style>
-          <a:lnRef idx="2">
-            <a:schemeClr val="accent2"/>
-          </a:lnRef>
-          <a:fillRef idx="1">
-            <a:schemeClr val="lt1"/>
-          </a:fillRef>
-          <a:effectRef idx="0">
-            <a:schemeClr val="accent2"/>
-          </a:effectRef>
-          <a:fontRef idx="minor">
-            <a:schemeClr val="dk1"/>
-          </a:fontRef>
-        </p:style>
-        <p:txBody>
-          <a:bodyPr rtlCol="0" anchor="ctr"/>
-          <a:lstStyle/>
-          <a:p>
-            <a:pPr algn="ctr"/>
-            <a:endParaRPr lang="en-GB"/>
-          </a:p>
-        </p:txBody>
-      </p:sp>
-      <p:sp>
-        <p:nvSpPr>
-          <p:cNvPr id="14" name="Rectangle 13"/>
-          <p:cNvSpPr/>
-          <p:nvPr/>
-        </p:nvSpPr>
-        <p:spPr>
-          <a:xfrm>
-            <a:off x="6053060" y="4383524"/>
-            <a:ext cx="624645" cy="125698"/>
-          </a:xfrm>
-          <a:prstGeom prst="rect">
-            <a:avLst/>
-          </a:prstGeom>
-          <a:noFill/>
-          <a:ln>
-            <a:solidFill>
-              <a:srgbClr val="0000FF"/>
-            </a:solidFill>
-          </a:ln>
-        </p:spPr>
-        <p:style>
-          <a:lnRef idx="2">
-            <a:schemeClr val="accent2"/>
-          </a:lnRef>
-          <a:fillRef idx="1">
-            <a:schemeClr val="lt1"/>
-          </a:fillRef>
-          <a:effectRef idx="0">
-            <a:schemeClr val="accent2"/>
-          </a:effectRef>
-          <a:fontRef idx="minor">
-            <a:schemeClr val="dk1"/>
-          </a:fontRef>
-        </p:style>
-        <p:txBody>
-          <a:bodyPr rtlCol="0" anchor="ctr"/>
-          <a:lstStyle/>
-          <a:p>
-            <a:pPr algn="ctr"/>
-            <a:endParaRPr lang="en-GB"/>
-          </a:p>
-        </p:txBody>
-      </p:sp>
-      <p:sp>
-        <p:nvSpPr>
-          <p:cNvPr id="15" name="Rectangle 14"/>
-          <p:cNvSpPr/>
-          <p:nvPr/>
-        </p:nvSpPr>
-        <p:spPr>
-          <a:xfrm>
-            <a:off x="6053061" y="4139608"/>
-            <a:ext cx="490082" cy="227093"/>
-          </a:xfrm>
-          <a:prstGeom prst="rect">
-            <a:avLst/>
-          </a:prstGeom>
-          <a:noFill/>
-          <a:ln>
-            <a:solidFill>
-              <a:srgbClr val="0000FF"/>
-            </a:solidFill>
-          </a:ln>
-        </p:spPr>
-        <p:style>
-          <a:lnRef idx="2">
-            <a:schemeClr val="accent2"/>
-          </a:lnRef>
-          <a:fillRef idx="1">
-            <a:schemeClr val="lt1"/>
-          </a:fillRef>
-          <a:effectRef idx="0">
-            <a:schemeClr val="accent2"/>
-          </a:effectRef>
-          <a:fontRef idx="minor">
-            <a:schemeClr val="dk1"/>
-          </a:fontRef>
-        </p:style>
-        <p:txBody>
-          <a:bodyPr rtlCol="0" anchor="ctr"/>
-          <a:lstStyle/>
-          <a:p>
-            <a:pPr algn="ctr"/>
-            <a:endParaRPr lang="en-GB"/>
-          </a:p>
-        </p:txBody>
-      </p:sp>
     </p:spTree>
     <p:extLst>
       <p:ext uri="{BB962C8B-B14F-4D97-AF65-F5344CB8AC3E}">
-        <p14:creationId xmlns:p14="http://schemas.microsoft.com/office/powerpoint/2010/main" val="1174435773"/>
+        <p14:creationId xmlns:p14="http://schemas.microsoft.com/office/powerpoint/2010/main" val="4031909891"/>
       </p:ext>
     </p:extLst>
   </p:cSld>
@@ -3822,6 +3325,604 @@
         <p:spPr>
           <a:xfrm>
             <a:off x="260716" y="538295"/>
+            <a:ext cx="4713804" cy="2308324"/>
+          </a:xfrm>
+          <a:prstGeom prst="rect">
+            <a:avLst/>
+          </a:prstGeom>
+          <a:noFill/>
+        </p:spPr>
+        <p:txBody>
+          <a:bodyPr wrap="square" rtlCol="0">
+            <a:spAutoFit/>
+          </a:bodyPr>
+          <a:lstStyle/>
+          <a:p>
+            <a:pPr marL="285750" indent="-285750">
+              <a:buFont typeface="Arial"/>
+              <a:buChar char="•"/>
+            </a:pPr>
+            <a:r>
+              <a:rPr lang="en-GB" dirty="0" err="1" smtClean="0"/>
+              <a:t>Navbar</a:t>
+            </a:r>
+            <a:endParaRPr lang="en-GB" dirty="0" smtClean="0"/>
+          </a:p>
+          <a:p>
+            <a:pPr marL="285750" indent="-285750">
+              <a:buFont typeface="Arial"/>
+              <a:buChar char="•"/>
+            </a:pPr>
+            <a:r>
+              <a:rPr lang="en-GB" dirty="0" err="1" smtClean="0"/>
+              <a:t>Jumbotron</a:t>
+            </a:r>
+            <a:endParaRPr lang="en-GB" dirty="0" smtClean="0"/>
+          </a:p>
+          <a:p>
+            <a:pPr marL="285750" indent="-285750">
+              <a:buFont typeface="Arial"/>
+              <a:buChar char="•"/>
+            </a:pPr>
+            <a:r>
+              <a:rPr lang="en-GB" dirty="0" smtClean="0"/>
+              <a:t>Input group</a:t>
+            </a:r>
+          </a:p>
+          <a:p>
+            <a:pPr marL="285750" indent="-285750">
+              <a:buFont typeface="Arial"/>
+              <a:buChar char="•"/>
+            </a:pPr>
+            <a:r>
+              <a:rPr lang="en-GB" dirty="0" smtClean="0"/>
+              <a:t>Media object</a:t>
+            </a:r>
+          </a:p>
+          <a:p>
+            <a:pPr marL="285750" indent="-285750">
+              <a:buFont typeface="Arial"/>
+              <a:buChar char="•"/>
+            </a:pPr>
+            <a:r>
+              <a:rPr lang="en-GB" dirty="0" smtClean="0"/>
+              <a:t>Panel</a:t>
+            </a:r>
+          </a:p>
+          <a:p>
+            <a:pPr marL="285750" indent="-285750">
+              <a:buFont typeface="Arial"/>
+              <a:buChar char="•"/>
+            </a:pPr>
+            <a:r>
+              <a:rPr lang="en-GB" dirty="0" smtClean="0"/>
+              <a:t>Lists</a:t>
+            </a:r>
+          </a:p>
+          <a:p>
+            <a:pPr marL="285750" indent="-285750">
+              <a:buFont typeface="Arial"/>
+              <a:buChar char="•"/>
+            </a:pPr>
+            <a:r>
+              <a:rPr lang="en-GB" dirty="0" smtClean="0"/>
+              <a:t>Buttons</a:t>
+            </a:r>
+          </a:p>
+          <a:p>
+            <a:pPr marL="285750" indent="-285750">
+              <a:buFont typeface="Arial"/>
+              <a:buChar char="•"/>
+            </a:pPr>
+            <a:r>
+              <a:rPr lang="en-GB" dirty="0" smtClean="0"/>
+              <a:t>Forms</a:t>
+            </a:r>
+            <a:endParaRPr lang="en-GB" dirty="0"/>
+          </a:p>
+        </p:txBody>
+      </p:sp>
+      <p:sp>
+        <p:nvSpPr>
+          <p:cNvPr id="6" name="Rectangle 5"/>
+          <p:cNvSpPr/>
+          <p:nvPr/>
+        </p:nvSpPr>
+        <p:spPr>
+          <a:xfrm>
+            <a:off x="4974520" y="274637"/>
+            <a:ext cx="2767193" cy="263658"/>
+          </a:xfrm>
+          <a:prstGeom prst="rect">
+            <a:avLst/>
+          </a:prstGeom>
+          <a:noFill/>
+          <a:ln>
+            <a:solidFill>
+              <a:srgbClr val="0000FF"/>
+            </a:solidFill>
+          </a:ln>
+        </p:spPr>
+        <p:style>
+          <a:lnRef idx="2">
+            <a:schemeClr val="accent2"/>
+          </a:lnRef>
+          <a:fillRef idx="1">
+            <a:schemeClr val="lt1"/>
+          </a:fillRef>
+          <a:effectRef idx="0">
+            <a:schemeClr val="accent2"/>
+          </a:effectRef>
+          <a:fontRef idx="minor">
+            <a:schemeClr val="dk1"/>
+          </a:fontRef>
+        </p:style>
+        <p:txBody>
+          <a:bodyPr rtlCol="0" anchor="ctr"/>
+          <a:lstStyle/>
+          <a:p>
+            <a:pPr algn="ctr"/>
+            <a:endParaRPr lang="en-GB"/>
+          </a:p>
+        </p:txBody>
+      </p:sp>
+      <p:sp>
+        <p:nvSpPr>
+          <p:cNvPr id="7" name="Rectangle 6"/>
+          <p:cNvSpPr/>
+          <p:nvPr/>
+        </p:nvSpPr>
+        <p:spPr>
+          <a:xfrm>
+            <a:off x="4974520" y="514067"/>
+            <a:ext cx="2767193" cy="1462484"/>
+          </a:xfrm>
+          <a:prstGeom prst="rect">
+            <a:avLst/>
+          </a:prstGeom>
+          <a:noFill/>
+          <a:ln>
+            <a:solidFill>
+              <a:srgbClr val="0000FF"/>
+            </a:solidFill>
+          </a:ln>
+        </p:spPr>
+        <p:style>
+          <a:lnRef idx="2">
+            <a:schemeClr val="accent2"/>
+          </a:lnRef>
+          <a:fillRef idx="1">
+            <a:schemeClr val="lt1"/>
+          </a:fillRef>
+          <a:effectRef idx="0">
+            <a:schemeClr val="accent2"/>
+          </a:effectRef>
+          <a:fontRef idx="minor">
+            <a:schemeClr val="dk1"/>
+          </a:fontRef>
+        </p:style>
+        <p:txBody>
+          <a:bodyPr rtlCol="0" anchor="ctr"/>
+          <a:lstStyle/>
+          <a:p>
+            <a:pPr algn="ctr"/>
+            <a:endParaRPr lang="en-GB"/>
+          </a:p>
+        </p:txBody>
+      </p:sp>
+      <p:sp>
+        <p:nvSpPr>
+          <p:cNvPr id="8" name="Rectangle 7"/>
+          <p:cNvSpPr/>
+          <p:nvPr/>
+        </p:nvSpPr>
+        <p:spPr>
+          <a:xfrm>
+            <a:off x="5757686" y="1783101"/>
+            <a:ext cx="1819913" cy="193450"/>
+          </a:xfrm>
+          <a:prstGeom prst="rect">
+            <a:avLst/>
+          </a:prstGeom>
+          <a:noFill/>
+          <a:ln>
+            <a:solidFill>
+              <a:srgbClr val="0000FF"/>
+            </a:solidFill>
+          </a:ln>
+        </p:spPr>
+        <p:style>
+          <a:lnRef idx="2">
+            <a:schemeClr val="accent2"/>
+          </a:lnRef>
+          <a:fillRef idx="1">
+            <a:schemeClr val="lt1"/>
+          </a:fillRef>
+          <a:effectRef idx="0">
+            <a:schemeClr val="accent2"/>
+          </a:effectRef>
+          <a:fontRef idx="minor">
+            <a:schemeClr val="dk1"/>
+          </a:fontRef>
+        </p:style>
+        <p:txBody>
+          <a:bodyPr rtlCol="0" anchor="ctr"/>
+          <a:lstStyle/>
+          <a:p>
+            <a:pPr algn="ctr"/>
+            <a:endParaRPr lang="en-GB"/>
+          </a:p>
+        </p:txBody>
+      </p:sp>
+      <p:sp>
+        <p:nvSpPr>
+          <p:cNvPr id="9" name="Rectangle 8"/>
+          <p:cNvSpPr/>
+          <p:nvPr/>
+        </p:nvSpPr>
+        <p:spPr>
+          <a:xfrm>
+            <a:off x="5119527" y="2032225"/>
+            <a:ext cx="1221772" cy="537395"/>
+          </a:xfrm>
+          <a:prstGeom prst="rect">
+            <a:avLst/>
+          </a:prstGeom>
+          <a:noFill/>
+          <a:ln>
+            <a:solidFill>
+              <a:srgbClr val="0000FF"/>
+            </a:solidFill>
+          </a:ln>
+        </p:spPr>
+        <p:style>
+          <a:lnRef idx="2">
+            <a:schemeClr val="accent2"/>
+          </a:lnRef>
+          <a:fillRef idx="1">
+            <a:schemeClr val="lt1"/>
+          </a:fillRef>
+          <a:effectRef idx="0">
+            <a:schemeClr val="accent2"/>
+          </a:effectRef>
+          <a:fontRef idx="minor">
+            <a:schemeClr val="dk1"/>
+          </a:fontRef>
+        </p:style>
+        <p:txBody>
+          <a:bodyPr rtlCol="0" anchor="ctr"/>
+          <a:lstStyle/>
+          <a:p>
+            <a:pPr algn="ctr"/>
+            <a:endParaRPr lang="en-GB"/>
+          </a:p>
+        </p:txBody>
+      </p:sp>
+      <p:sp>
+        <p:nvSpPr>
+          <p:cNvPr id="10" name="Rectangle 9"/>
+          <p:cNvSpPr/>
+          <p:nvPr/>
+        </p:nvSpPr>
+        <p:spPr>
+          <a:xfrm>
+            <a:off x="5172279" y="3356935"/>
+            <a:ext cx="756919" cy="1168104"/>
+          </a:xfrm>
+          <a:prstGeom prst="rect">
+            <a:avLst/>
+          </a:prstGeom>
+          <a:noFill/>
+          <a:ln>
+            <a:solidFill>
+              <a:srgbClr val="0000FF"/>
+            </a:solidFill>
+          </a:ln>
+        </p:spPr>
+        <p:style>
+          <a:lnRef idx="2">
+            <a:schemeClr val="accent2"/>
+          </a:lnRef>
+          <a:fillRef idx="1">
+            <a:schemeClr val="lt1"/>
+          </a:fillRef>
+          <a:effectRef idx="0">
+            <a:schemeClr val="accent2"/>
+          </a:effectRef>
+          <a:fontRef idx="minor">
+            <a:schemeClr val="dk1"/>
+          </a:fontRef>
+        </p:style>
+        <p:txBody>
+          <a:bodyPr rtlCol="0" anchor="ctr"/>
+          <a:lstStyle/>
+          <a:p>
+            <a:pPr algn="ctr"/>
+            <a:endParaRPr lang="en-GB"/>
+          </a:p>
+        </p:txBody>
+      </p:sp>
+      <p:sp>
+        <p:nvSpPr>
+          <p:cNvPr id="11" name="Rectangle 10"/>
+          <p:cNvSpPr/>
+          <p:nvPr/>
+        </p:nvSpPr>
+        <p:spPr>
+          <a:xfrm>
+            <a:off x="7230490" y="6417947"/>
+            <a:ext cx="347110" cy="193450"/>
+          </a:xfrm>
+          <a:prstGeom prst="rect">
+            <a:avLst/>
+          </a:prstGeom>
+          <a:noFill/>
+          <a:ln>
+            <a:solidFill>
+              <a:srgbClr val="0000FF"/>
+            </a:solidFill>
+          </a:ln>
+        </p:spPr>
+        <p:style>
+          <a:lnRef idx="2">
+            <a:schemeClr val="accent2"/>
+          </a:lnRef>
+          <a:fillRef idx="1">
+            <a:schemeClr val="lt1"/>
+          </a:fillRef>
+          <a:effectRef idx="0">
+            <a:schemeClr val="accent2"/>
+          </a:effectRef>
+          <a:fontRef idx="minor">
+            <a:schemeClr val="dk1"/>
+          </a:fontRef>
+        </p:style>
+        <p:txBody>
+          <a:bodyPr rtlCol="0" anchor="ctr"/>
+          <a:lstStyle/>
+          <a:p>
+            <a:pPr algn="ctr"/>
+            <a:endParaRPr lang="en-GB"/>
+          </a:p>
+        </p:txBody>
+      </p:sp>
+      <p:sp>
+        <p:nvSpPr>
+          <p:cNvPr id="12" name="Rectangle 11"/>
+          <p:cNvSpPr/>
+          <p:nvPr/>
+        </p:nvSpPr>
+        <p:spPr>
+          <a:xfrm>
+            <a:off x="5757686" y="6224497"/>
+            <a:ext cx="785457" cy="125698"/>
+          </a:xfrm>
+          <a:prstGeom prst="rect">
+            <a:avLst/>
+          </a:prstGeom>
+          <a:noFill/>
+          <a:ln>
+            <a:solidFill>
+              <a:srgbClr val="0000FF"/>
+            </a:solidFill>
+          </a:ln>
+        </p:spPr>
+        <p:style>
+          <a:lnRef idx="2">
+            <a:schemeClr val="accent2"/>
+          </a:lnRef>
+          <a:fillRef idx="1">
+            <a:schemeClr val="lt1"/>
+          </a:fillRef>
+          <a:effectRef idx="0">
+            <a:schemeClr val="accent2"/>
+          </a:effectRef>
+          <a:fontRef idx="minor">
+            <a:schemeClr val="dk1"/>
+          </a:fontRef>
+        </p:style>
+        <p:txBody>
+          <a:bodyPr rtlCol="0" anchor="ctr"/>
+          <a:lstStyle/>
+          <a:p>
+            <a:pPr algn="ctr"/>
+            <a:endParaRPr lang="en-GB"/>
+          </a:p>
+        </p:txBody>
+      </p:sp>
+      <p:sp>
+        <p:nvSpPr>
+          <p:cNvPr id="13" name="Rectangle 12"/>
+          <p:cNvSpPr/>
+          <p:nvPr/>
+        </p:nvSpPr>
+        <p:spPr>
+          <a:xfrm>
+            <a:off x="6616545" y="6216086"/>
+            <a:ext cx="288238" cy="125698"/>
+          </a:xfrm>
+          <a:prstGeom prst="rect">
+            <a:avLst/>
+          </a:prstGeom>
+          <a:noFill/>
+          <a:ln>
+            <a:solidFill>
+              <a:srgbClr val="0000FF"/>
+            </a:solidFill>
+          </a:ln>
+        </p:spPr>
+        <p:style>
+          <a:lnRef idx="2">
+            <a:schemeClr val="accent2"/>
+          </a:lnRef>
+          <a:fillRef idx="1">
+            <a:schemeClr val="lt1"/>
+          </a:fillRef>
+          <a:effectRef idx="0">
+            <a:schemeClr val="accent2"/>
+          </a:effectRef>
+          <a:fontRef idx="minor">
+            <a:schemeClr val="dk1"/>
+          </a:fontRef>
+        </p:style>
+        <p:txBody>
+          <a:bodyPr rtlCol="0" anchor="ctr"/>
+          <a:lstStyle/>
+          <a:p>
+            <a:pPr algn="ctr"/>
+            <a:endParaRPr lang="en-GB"/>
+          </a:p>
+        </p:txBody>
+      </p:sp>
+      <p:sp>
+        <p:nvSpPr>
+          <p:cNvPr id="14" name="Rectangle 13"/>
+          <p:cNvSpPr/>
+          <p:nvPr/>
+        </p:nvSpPr>
+        <p:spPr>
+          <a:xfrm>
+            <a:off x="6053060" y="4383524"/>
+            <a:ext cx="624645" cy="125698"/>
+          </a:xfrm>
+          <a:prstGeom prst="rect">
+            <a:avLst/>
+          </a:prstGeom>
+          <a:noFill/>
+          <a:ln>
+            <a:solidFill>
+              <a:srgbClr val="0000FF"/>
+            </a:solidFill>
+          </a:ln>
+        </p:spPr>
+        <p:style>
+          <a:lnRef idx="2">
+            <a:schemeClr val="accent2"/>
+          </a:lnRef>
+          <a:fillRef idx="1">
+            <a:schemeClr val="lt1"/>
+          </a:fillRef>
+          <a:effectRef idx="0">
+            <a:schemeClr val="accent2"/>
+          </a:effectRef>
+          <a:fontRef idx="minor">
+            <a:schemeClr val="dk1"/>
+          </a:fontRef>
+        </p:style>
+        <p:txBody>
+          <a:bodyPr rtlCol="0" anchor="ctr"/>
+          <a:lstStyle/>
+          <a:p>
+            <a:pPr algn="ctr"/>
+            <a:endParaRPr lang="en-GB"/>
+          </a:p>
+        </p:txBody>
+      </p:sp>
+      <p:sp>
+        <p:nvSpPr>
+          <p:cNvPr id="15" name="Rectangle 14"/>
+          <p:cNvSpPr/>
+          <p:nvPr/>
+        </p:nvSpPr>
+        <p:spPr>
+          <a:xfrm>
+            <a:off x="6053061" y="4139608"/>
+            <a:ext cx="490082" cy="227093"/>
+          </a:xfrm>
+          <a:prstGeom prst="rect">
+            <a:avLst/>
+          </a:prstGeom>
+          <a:noFill/>
+          <a:ln>
+            <a:solidFill>
+              <a:srgbClr val="0000FF"/>
+            </a:solidFill>
+          </a:ln>
+        </p:spPr>
+        <p:style>
+          <a:lnRef idx="2">
+            <a:schemeClr val="accent2"/>
+          </a:lnRef>
+          <a:fillRef idx="1">
+            <a:schemeClr val="lt1"/>
+          </a:fillRef>
+          <a:effectRef idx="0">
+            <a:schemeClr val="accent2"/>
+          </a:effectRef>
+          <a:fontRef idx="minor">
+            <a:schemeClr val="dk1"/>
+          </a:fontRef>
+        </p:style>
+        <p:txBody>
+          <a:bodyPr rtlCol="0" anchor="ctr"/>
+          <a:lstStyle/>
+          <a:p>
+            <a:pPr algn="ctr"/>
+            <a:endParaRPr lang="en-GB"/>
+          </a:p>
+        </p:txBody>
+      </p:sp>
+    </p:spTree>
+    <p:extLst>
+      <p:ext uri="{BB962C8B-B14F-4D97-AF65-F5344CB8AC3E}">
+        <p14:creationId xmlns:p14="http://schemas.microsoft.com/office/powerpoint/2010/main" val="1174435773"/>
+      </p:ext>
+    </p:extLst>
+  </p:cSld>
+  <p:clrMapOvr>
+    <a:masterClrMapping/>
+  </p:clrMapOvr>
+</p:sld>
+</file>
+
+<file path=ppt/slides/slide12.xml><?xml version="1.0" encoding="utf-8"?>
+<p:sld xmlns:a="http://schemas.openxmlformats.org/drawingml/2006/main" xmlns:r="http://schemas.openxmlformats.org/officeDocument/2006/relationships" xmlns:p="http://schemas.openxmlformats.org/presentationml/2006/main">
+  <p:cSld>
+    <p:spTree>
+      <p:nvGrpSpPr>
+        <p:cNvPr id="1" name=""/>
+        <p:cNvGrpSpPr/>
+        <p:nvPr/>
+      </p:nvGrpSpPr>
+      <p:grpSpPr>
+        <a:xfrm>
+          <a:off x="0" y="0"/>
+          <a:ext cx="0" cy="0"/>
+          <a:chOff x="0" y="0"/>
+          <a:chExt cx="0" cy="0"/>
+        </a:xfrm>
+      </p:grpSpPr>
+      <p:pic>
+        <p:nvPicPr>
+          <p:cNvPr id="4" name="Content Placeholder 3"/>
+          <p:cNvPicPr>
+            <a:picLocks noGrp="1" noChangeAspect="1"/>
+          </p:cNvPicPr>
+          <p:nvPr>
+            <p:ph idx="1"/>
+          </p:nvPr>
+        </p:nvPicPr>
+        <p:blipFill rotWithShape="1">
+          <a:blip r:embed="rId2"/>
+          <a:srcRect l="15224" r="15224"/>
+          <a:stretch/>
+        </p:blipFill>
+        <p:spPr>
+          <a:xfrm>
+            <a:off x="4974520" y="274637"/>
+            <a:ext cx="2767193" cy="6336760"/>
+          </a:xfrm>
+        </p:spPr>
+      </p:pic>
+      <p:sp>
+        <p:nvSpPr>
+          <p:cNvPr id="5" name="TextBox 4"/>
+          <p:cNvSpPr txBox="1"/>
+          <p:nvPr/>
+        </p:nvSpPr>
+        <p:spPr>
+          <a:xfrm>
+            <a:off x="260716" y="538295"/>
             <a:ext cx="4713804" cy="1200329"/>
           </a:xfrm>
           <a:prstGeom prst="rect">
@@ -3904,69 +4005,6 @@
 </p:sld>
 </file>
 
-<file path=ppt/slides/slide12.xml><?xml version="1.0" encoding="utf-8"?>
-<p:sld xmlns:a="http://schemas.openxmlformats.org/drawingml/2006/main" xmlns:r="http://schemas.openxmlformats.org/officeDocument/2006/relationships" xmlns:p="http://schemas.openxmlformats.org/presentationml/2006/main">
-  <p:cSld>
-    <p:spTree>
-      <p:nvGrpSpPr>
-        <p:cNvPr id="1" name=""/>
-        <p:cNvGrpSpPr/>
-        <p:nvPr/>
-      </p:nvGrpSpPr>
-      <p:grpSpPr>
-        <a:xfrm>
-          <a:off x="0" y="0"/>
-          <a:ext cx="0" cy="0"/>
-          <a:chOff x="0" y="0"/>
-          <a:chExt cx="0" cy="0"/>
-        </a:xfrm>
-      </p:grpSpPr>
-      <p:sp>
-        <p:nvSpPr>
-          <p:cNvPr id="3" name="Subtitle 2"/>
-          <p:cNvSpPr>
-            <a:spLocks noGrp="1"/>
-          </p:cNvSpPr>
-          <p:nvPr>
-            <p:ph type="subTitle" idx="1"/>
-          </p:nvPr>
-        </p:nvSpPr>
-        <p:spPr/>
-        <p:txBody>
-          <a:bodyPr/>
-          <a:lstStyle/>
-          <a:p>
-            <a:r>
-              <a:rPr lang="en-GB" dirty="0" smtClean="0"/>
-              <a:t>Load up </a:t>
-            </a:r>
-            <a:r>
-              <a:rPr lang="en-GB" dirty="0" smtClean="0">
-                <a:hlinkClick r:id="rId2"/>
-              </a:rPr>
-              <a:t>http://localhost:3000</a:t>
-            </a:r>
-            <a:r>
-              <a:rPr lang="en-GB" dirty="0" smtClean="0"/>
-              <a:t> to see what the skeleton of our site looks like</a:t>
-            </a:r>
-            <a:endParaRPr lang="en-GB" dirty="0"/>
-          </a:p>
-        </p:txBody>
-      </p:sp>
-    </p:spTree>
-    <p:extLst>
-      <p:ext uri="{BB962C8B-B14F-4D97-AF65-F5344CB8AC3E}">
-        <p14:creationId xmlns:p14="http://schemas.microsoft.com/office/powerpoint/2010/main" val="4196873678"/>
-      </p:ext>
-    </p:extLst>
-  </p:cSld>
-  <p:clrMapOvr>
-    <a:masterClrMapping/>
-  </p:clrMapOvr>
-</p:sld>
-</file>
-
 <file path=ppt/slides/slide13.xml><?xml version="1.0" encoding="utf-8"?>
 <p:sld xmlns:a="http://schemas.openxmlformats.org/drawingml/2006/main" xmlns:r="http://schemas.openxmlformats.org/officeDocument/2006/relationships" xmlns:p="http://schemas.openxmlformats.org/presentationml/2006/main">
   <p:cSld>
@@ -3986,29 +4024,6 @@
       </p:grpSpPr>
       <p:sp>
         <p:nvSpPr>
-          <p:cNvPr id="2" name="Title 1"/>
-          <p:cNvSpPr>
-            <a:spLocks noGrp="1"/>
-          </p:cNvSpPr>
-          <p:nvPr>
-            <p:ph type="ctrTitle"/>
-          </p:nvPr>
-        </p:nvSpPr>
-        <p:spPr/>
-        <p:txBody>
-          <a:bodyPr/>
-          <a:lstStyle/>
-          <a:p>
-            <a:r>
-              <a:rPr lang="en-GB" dirty="0" smtClean="0"/>
-              <a:t>Part 2</a:t>
-            </a:r>
-            <a:endParaRPr lang="en-GB" dirty="0"/>
-          </a:p>
-        </p:txBody>
-      </p:sp>
-      <p:sp>
-        <p:nvSpPr>
           <p:cNvPr id="3" name="Subtitle 2"/>
           <p:cNvSpPr>
             <a:spLocks noGrp="1"/>
@@ -4019,31 +4034,22 @@
         </p:nvSpPr>
         <p:spPr/>
         <p:txBody>
-          <a:bodyPr>
-            <a:normAutofit fontScale="70000" lnSpcReduction="20000"/>
-          </a:bodyPr>
-          <a:lstStyle/>
-          <a:p>
-            <a:r>
-              <a:rPr lang="en-GB" dirty="0" smtClean="0"/>
-              <a:t>Using brand guidelines or anything else to update the Bootstrap </a:t>
-            </a:r>
-            <a:r>
-              <a:rPr lang="en-GB" dirty="0" err="1" smtClean="0"/>
-              <a:t>config</a:t>
-            </a:r>
-            <a:r>
-              <a:rPr lang="en-GB" dirty="0" smtClean="0"/>
-              <a:t> file</a:t>
-            </a:r>
-          </a:p>
-          <a:p>
-            <a:endParaRPr lang="en-GB" dirty="0"/>
-          </a:p>
-          <a:p>
-            <a:r>
-              <a:rPr lang="en-GB" dirty="0" smtClean="0"/>
-              <a:t>Before we start, please checkout the branch “part-two”</a:t>
+          <a:bodyPr/>
+          <a:lstStyle/>
+          <a:p>
+            <a:r>
+              <a:rPr lang="en-GB" dirty="0" smtClean="0"/>
+              <a:t>Load up </a:t>
+            </a:r>
+            <a:r>
+              <a:rPr lang="en-GB" dirty="0" smtClean="0">
+                <a:hlinkClick r:id="rId2"/>
+              </a:rPr>
+              <a:t>http://localhost:3000</a:t>
+            </a:r>
+            <a:r>
+              <a:rPr lang="en-GB" dirty="0" smtClean="0"/>
+              <a:t> to see what the skeleton of our site looks like</a:t>
             </a:r>
             <a:endParaRPr lang="en-GB" dirty="0"/>
           </a:p>
@@ -4052,7 +4058,7 @@
     </p:spTree>
     <p:extLst>
       <p:ext uri="{BB962C8B-B14F-4D97-AF65-F5344CB8AC3E}">
-        <p14:creationId xmlns:p14="http://schemas.microsoft.com/office/powerpoint/2010/main" val="1847392132"/>
+        <p14:creationId xmlns:p14="http://schemas.microsoft.com/office/powerpoint/2010/main" val="4196873678"/>
       </p:ext>
     </p:extLst>
   </p:cSld>
@@ -4086,24 +4092,119 @@
             <a:spLocks noGrp="1"/>
           </p:cNvSpPr>
           <p:nvPr>
-            <p:ph type="title"/>
-          </p:nvPr>
-        </p:nvSpPr>
-        <p:spPr/>
-        <p:txBody>
-          <a:bodyPr/>
-          <a:lstStyle/>
-          <a:p>
-            <a:r>
-              <a:rPr lang="en-GB" dirty="0" smtClean="0"/>
-              <a:t>Bootstrap </a:t>
+            <p:ph type="ctrTitle"/>
+          </p:nvPr>
+        </p:nvSpPr>
+        <p:spPr/>
+        <p:txBody>
+          <a:bodyPr/>
+          <a:lstStyle/>
+          <a:p>
+            <a:r>
+              <a:rPr lang="en-GB" dirty="0" smtClean="0"/>
+              <a:t>Part 2</a:t>
+            </a:r>
+            <a:endParaRPr lang="en-GB" dirty="0"/>
+          </a:p>
+        </p:txBody>
+      </p:sp>
+      <p:sp>
+        <p:nvSpPr>
+          <p:cNvPr id="3" name="Subtitle 2"/>
+          <p:cNvSpPr>
+            <a:spLocks noGrp="1"/>
+          </p:cNvSpPr>
+          <p:nvPr>
+            <p:ph type="subTitle" idx="1"/>
+          </p:nvPr>
+        </p:nvSpPr>
+        <p:spPr/>
+        <p:txBody>
+          <a:bodyPr>
+            <a:normAutofit fontScale="70000" lnSpcReduction="20000"/>
+          </a:bodyPr>
+          <a:lstStyle/>
+          <a:p>
+            <a:r>
+              <a:rPr lang="en-GB" dirty="0" smtClean="0"/>
+              <a:t>Using brand guidelines or anything else to update the Bootstrap </a:t>
             </a:r>
             <a:r>
               <a:rPr lang="en-GB" dirty="0" err="1" smtClean="0"/>
               <a:t>config</a:t>
             </a:r>
+            <a:r>
+              <a:rPr lang="en-GB" dirty="0" smtClean="0"/>
+              <a:t> file</a:t>
+            </a:r>
+          </a:p>
+          <a:p>
             <a:endParaRPr lang="en-GB" dirty="0"/>
           </a:p>
+          <a:p>
+            <a:r>
+              <a:rPr lang="en-GB" dirty="0" smtClean="0"/>
+              <a:t>Before we start, please checkout the branch “part-two”</a:t>
+            </a:r>
+            <a:endParaRPr lang="en-GB" dirty="0"/>
+          </a:p>
+        </p:txBody>
+      </p:sp>
+    </p:spTree>
+    <p:extLst>
+      <p:ext uri="{BB962C8B-B14F-4D97-AF65-F5344CB8AC3E}">
+        <p14:creationId xmlns:p14="http://schemas.microsoft.com/office/powerpoint/2010/main" val="1847392132"/>
+      </p:ext>
+    </p:extLst>
+  </p:cSld>
+  <p:clrMapOvr>
+    <a:masterClrMapping/>
+  </p:clrMapOvr>
+</p:sld>
+</file>
+
+<file path=ppt/slides/slide15.xml><?xml version="1.0" encoding="utf-8"?>
+<p:sld xmlns:a="http://schemas.openxmlformats.org/drawingml/2006/main" xmlns:r="http://schemas.openxmlformats.org/officeDocument/2006/relationships" xmlns:p="http://schemas.openxmlformats.org/presentationml/2006/main">
+  <p:cSld>
+    <p:spTree>
+      <p:nvGrpSpPr>
+        <p:cNvPr id="1" name=""/>
+        <p:cNvGrpSpPr/>
+        <p:nvPr/>
+      </p:nvGrpSpPr>
+      <p:grpSpPr>
+        <a:xfrm>
+          <a:off x="0" y="0"/>
+          <a:ext cx="0" cy="0"/>
+          <a:chOff x="0" y="0"/>
+          <a:chExt cx="0" cy="0"/>
+        </a:xfrm>
+      </p:grpSpPr>
+      <p:sp>
+        <p:nvSpPr>
+          <p:cNvPr id="2" name="Title 1"/>
+          <p:cNvSpPr>
+            <a:spLocks noGrp="1"/>
+          </p:cNvSpPr>
+          <p:nvPr>
+            <p:ph type="title"/>
+          </p:nvPr>
+        </p:nvSpPr>
+        <p:spPr/>
+        <p:txBody>
+          <a:bodyPr/>
+          <a:lstStyle/>
+          <a:p>
+            <a:r>
+              <a:rPr lang="en-GB" dirty="0" smtClean="0"/>
+              <a:t>Bootstrap </a:t>
+            </a:r>
+            <a:r>
+              <a:rPr lang="en-GB" dirty="0" err="1" smtClean="0"/>
+              <a:t>config</a:t>
+            </a:r>
+            <a:endParaRPr lang="en-GB" dirty="0"/>
+          </a:p>
         </p:txBody>
       </p:sp>
       <p:sp>
@@ -4119,7 +4220,7 @@
         <p:spPr/>
         <p:txBody>
           <a:bodyPr>
-            <a:normAutofit fontScale="92500"/>
+            <a:normAutofit fontScale="92500" lnSpcReduction="10000"/>
           </a:bodyPr>
           <a:lstStyle/>
           <a:p>
@@ -4184,7 +4285,7 @@
 </p:sld>
 </file>
 
-<file path=ppt/slides/slide15.xml><?xml version="1.0" encoding="utf-8"?>
+<file path=ppt/slides/slide16.xml><?xml version="1.0" encoding="utf-8"?>
 <p:sld xmlns:a="http://schemas.openxmlformats.org/drawingml/2006/main" xmlns:r="http://schemas.openxmlformats.org/officeDocument/2006/relationships" xmlns:p="http://schemas.openxmlformats.org/presentationml/2006/main">
   <p:cSld>
     <p:spTree>
@@ -4265,7 +4366,7 @@
 </p:sld>
 </file>
 
-<file path=ppt/slides/slide16.xml><?xml version="1.0" encoding="utf-8"?>
+<file path=ppt/slides/slide17.xml><?xml version="1.0" encoding="utf-8"?>
 <p:sld xmlns:a="http://schemas.openxmlformats.org/drawingml/2006/main" xmlns:r="http://schemas.openxmlformats.org/officeDocument/2006/relationships" xmlns:p="http://schemas.openxmlformats.org/presentationml/2006/main">
   <p:cSld>
     <p:spTree>
@@ -4346,79 +4447,6 @@
 </p:sld>
 </file>
 
-<file path=ppt/slides/slide17.xml><?xml version="1.0" encoding="utf-8"?>
-<p:sld xmlns:a="http://schemas.openxmlformats.org/drawingml/2006/main" xmlns:r="http://schemas.openxmlformats.org/officeDocument/2006/relationships" xmlns:p="http://schemas.openxmlformats.org/presentationml/2006/main">
-  <p:cSld>
-    <p:spTree>
-      <p:nvGrpSpPr>
-        <p:cNvPr id="1" name=""/>
-        <p:cNvGrpSpPr/>
-        <p:nvPr/>
-      </p:nvGrpSpPr>
-      <p:grpSpPr>
-        <a:xfrm>
-          <a:off x="0" y="0"/>
-          <a:ext cx="0" cy="0"/>
-          <a:chOff x="0" y="0"/>
-          <a:chExt cx="0" cy="0"/>
-        </a:xfrm>
-      </p:grpSpPr>
-      <p:sp>
-        <p:nvSpPr>
-          <p:cNvPr id="3" name="Subtitle 2"/>
-          <p:cNvSpPr>
-            <a:spLocks noGrp="1"/>
-          </p:cNvSpPr>
-          <p:nvPr>
-            <p:ph type="subTitle" idx="1"/>
-          </p:nvPr>
-        </p:nvSpPr>
-        <p:spPr/>
-        <p:txBody>
-          <a:bodyPr>
-            <a:normAutofit fontScale="92500"/>
-          </a:bodyPr>
-          <a:lstStyle/>
-          <a:p>
-            <a:r>
-              <a:rPr lang="en-GB" dirty="0" smtClean="0"/>
-              <a:t>Reload </a:t>
-            </a:r>
-            <a:r>
-              <a:rPr lang="en-GB" dirty="0" smtClean="0">
-                <a:hlinkClick r:id="rId2"/>
-              </a:rPr>
-              <a:t>http://localhost:3000</a:t>
-            </a:r>
-            <a:r>
-              <a:rPr lang="en-GB" dirty="0" smtClean="0"/>
-              <a:t> to see what the skeleton of our site looks like now we’ve updated the </a:t>
-            </a:r>
-            <a:r>
-              <a:rPr lang="en-GB" dirty="0" err="1" smtClean="0"/>
-              <a:t>config</a:t>
-            </a:r>
-            <a:r>
-              <a:rPr lang="en-GB" dirty="0" smtClean="0"/>
-              <a:t> file</a:t>
-            </a:r>
-            <a:endParaRPr lang="en-GB" dirty="0"/>
-          </a:p>
-        </p:txBody>
-      </p:sp>
-    </p:spTree>
-    <p:extLst>
-      <p:ext uri="{BB962C8B-B14F-4D97-AF65-F5344CB8AC3E}">
-        <p14:creationId xmlns:p14="http://schemas.microsoft.com/office/powerpoint/2010/main" val="2838013454"/>
-      </p:ext>
-    </p:extLst>
-  </p:cSld>
-  <p:clrMapOvr>
-    <a:masterClrMapping/>
-  </p:clrMapOvr>
-</p:sld>
-</file>
-
 <file path=ppt/slides/slide18.xml><?xml version="1.0" encoding="utf-8"?>
 <p:sld xmlns:a="http://schemas.openxmlformats.org/drawingml/2006/main" xmlns:r="http://schemas.openxmlformats.org/officeDocument/2006/relationships" xmlns:p="http://schemas.openxmlformats.org/presentationml/2006/main">
   <p:cSld>
@@ -4438,29 +4466,6 @@
       </p:grpSpPr>
       <p:sp>
         <p:nvSpPr>
-          <p:cNvPr id="2" name="Title 1"/>
-          <p:cNvSpPr>
-            <a:spLocks noGrp="1"/>
-          </p:cNvSpPr>
-          <p:nvPr>
-            <p:ph type="ctrTitle"/>
-          </p:nvPr>
-        </p:nvSpPr>
-        <p:spPr/>
-        <p:txBody>
-          <a:bodyPr/>
-          <a:lstStyle/>
-          <a:p>
-            <a:r>
-              <a:rPr lang="en-GB" dirty="0" smtClean="0"/>
-              <a:t>Part 3</a:t>
-            </a:r>
-            <a:endParaRPr lang="en-GB" dirty="0"/>
-          </a:p>
-        </p:txBody>
-      </p:sp>
-      <p:sp>
-        <p:nvSpPr>
           <p:cNvPr id="3" name="Subtitle 2"/>
           <p:cNvSpPr>
             <a:spLocks noGrp="1"/>
@@ -4472,26 +4477,31 @@
         <p:spPr/>
         <p:txBody>
           <a:bodyPr>
-            <a:normAutofit fontScale="70000" lnSpcReduction="20000"/>
+            <a:normAutofit fontScale="92500"/>
           </a:bodyPr>
           <a:lstStyle/>
           <a:p>
             <a:r>
-              <a:rPr lang="en-GB" dirty="0"/>
-              <a:t>U</a:t>
-            </a:r>
-            <a:r>
-              <a:rPr lang="en-GB" dirty="0" smtClean="0"/>
-              <a:t>se existing helpers that come with Bootstrap to add more components</a:t>
-            </a:r>
-          </a:p>
-          <a:p>
-            <a:endParaRPr lang="en-GB" dirty="0"/>
-          </a:p>
-          <a:p>
-            <a:r>
-              <a:rPr lang="en-GB" dirty="0" smtClean="0"/>
-              <a:t>Before we start, please checkout the branch “part-three”</a:t>
+              <a:rPr lang="en-GB" dirty="0" smtClean="0"/>
+              <a:t>Reload </a:t>
+            </a:r>
+            <a:r>
+              <a:rPr lang="en-GB" dirty="0" smtClean="0">
+                <a:hlinkClick r:id="rId2"/>
+              </a:rPr>
+              <a:t>http://localhost:3000</a:t>
+            </a:r>
+            <a:r>
+              <a:rPr lang="en-GB" dirty="0" smtClean="0"/>
+              <a:t> to see what the skeleton of our site looks like now we’ve updated the </a:t>
+            </a:r>
+            <a:r>
+              <a:rPr lang="en-GB" dirty="0" err="1" smtClean="0"/>
+              <a:t>config</a:t>
+            </a:r>
+            <a:r>
+              <a:rPr lang="en-GB" dirty="0" smtClean="0"/>
+              <a:t> file</a:t>
             </a:r>
             <a:endParaRPr lang="en-GB" dirty="0"/>
           </a:p>
@@ -4500,7 +4510,7 @@
     </p:spTree>
     <p:extLst>
       <p:ext uri="{BB962C8B-B14F-4D97-AF65-F5344CB8AC3E}">
-        <p14:creationId xmlns:p14="http://schemas.microsoft.com/office/powerpoint/2010/main" val="3180944317"/>
+        <p14:creationId xmlns:p14="http://schemas.microsoft.com/office/powerpoint/2010/main" val="2838013454"/>
       </p:ext>
     </p:extLst>
   </p:cSld>
@@ -4534,48 +4544,55 @@
             <a:spLocks noGrp="1"/>
           </p:cNvSpPr>
           <p:nvPr>
-            <p:ph type="title"/>
+            <p:ph type="ctrTitle"/>
+          </p:nvPr>
+        </p:nvSpPr>
+        <p:spPr/>
+        <p:txBody>
+          <a:bodyPr/>
+          <a:lstStyle/>
+          <a:p>
+            <a:r>
+              <a:rPr lang="en-GB" dirty="0" smtClean="0"/>
+              <a:t>Part 3</a:t>
+            </a:r>
+            <a:endParaRPr lang="en-GB" dirty="0"/>
+          </a:p>
+        </p:txBody>
+      </p:sp>
+      <p:sp>
+        <p:nvSpPr>
+          <p:cNvPr id="3" name="Subtitle 2"/>
+          <p:cNvSpPr>
+            <a:spLocks noGrp="1"/>
+          </p:cNvSpPr>
+          <p:nvPr>
+            <p:ph type="subTitle" idx="1"/>
           </p:nvPr>
         </p:nvSpPr>
         <p:spPr/>
         <p:txBody>
           <a:bodyPr>
-            <a:normAutofit fontScale="90000"/>
+            <a:normAutofit fontScale="70000" lnSpcReduction="20000"/>
           </a:bodyPr>
           <a:lstStyle/>
           <a:p>
             <a:r>
-              <a:rPr lang="en-GB" dirty="0" smtClean="0"/>
-              <a:t>Why do we need to bother with this?</a:t>
-            </a:r>
+              <a:rPr lang="en-GB" dirty="0"/>
+              <a:t>U</a:t>
+            </a:r>
+            <a:r>
+              <a:rPr lang="en-GB" dirty="0" smtClean="0"/>
+              <a:t>se existing helpers that come with Bootstrap to add more components</a:t>
+            </a:r>
+          </a:p>
+          <a:p>
             <a:endParaRPr lang="en-GB" dirty="0"/>
           </a:p>
-        </p:txBody>
-      </p:sp>
-      <p:sp>
-        <p:nvSpPr>
-          <p:cNvPr id="3" name="Content Placeholder 2"/>
-          <p:cNvSpPr>
-            <a:spLocks noGrp="1"/>
-          </p:cNvSpPr>
-          <p:nvPr>
-            <p:ph idx="1"/>
-          </p:nvPr>
-        </p:nvSpPr>
-        <p:spPr/>
-        <p:txBody>
-          <a:bodyPr/>
-          <a:lstStyle/>
-          <a:p>
-            <a:r>
-              <a:rPr lang="en-GB" dirty="0" smtClean="0"/>
-              <a:t>We might need yet another button variation because default, primary, success, error and danger might not be enough</a:t>
-            </a:r>
-          </a:p>
-          <a:p>
-            <a:r>
-              <a:rPr lang="en-GB" dirty="0" smtClean="0"/>
-              <a:t>Rather than creating a new class and manually recreating all the properties, chances are there’s a helper within Bootstrap that’ll let you quickly build another component variation</a:t>
+          <a:p>
+            <a:r>
+              <a:rPr lang="en-GB" dirty="0" smtClean="0"/>
+              <a:t>Before we start, please checkout the branch “part-three”</a:t>
             </a:r>
             <a:endParaRPr lang="en-GB" dirty="0"/>
           </a:p>
@@ -4584,7 +4601,7 @@
     </p:spTree>
     <p:extLst>
       <p:ext uri="{BB962C8B-B14F-4D97-AF65-F5344CB8AC3E}">
-        <p14:creationId xmlns:p14="http://schemas.microsoft.com/office/powerpoint/2010/main" val="863677724"/>
+        <p14:creationId xmlns:p14="http://schemas.microsoft.com/office/powerpoint/2010/main" val="3180944317"/>
       </p:ext>
     </p:extLst>
   </p:cSld>
@@ -4710,7 +4727,7 @@
           <a:p>
             <a:r>
               <a:rPr lang="en-GB" dirty="0" smtClean="0"/>
-              <a:t>How can I find out if a helper utility exists?</a:t>
+              <a:t>Why do we need to bother with this?</a:t>
             </a:r>
             <a:endParaRPr lang="en-GB" dirty="0"/>
           </a:p>
@@ -4733,32 +4750,13 @@
           <a:p>
             <a:r>
               <a:rPr lang="en-GB" dirty="0" smtClean="0"/>
-              <a:t>Go to the Bootstrap-sass </a:t>
-            </a:r>
-            <a:r>
-              <a:rPr lang="en-GB" dirty="0" err="1"/>
-              <a:t>G</a:t>
-            </a:r>
-            <a:r>
-              <a:rPr lang="en-GB" dirty="0" err="1" smtClean="0"/>
-              <a:t>ithub</a:t>
-            </a:r>
-            <a:r>
-              <a:rPr lang="en-GB" dirty="0" smtClean="0"/>
-              <a:t> repo and search the source code. </a:t>
-            </a:r>
-            <a:r>
-              <a:rPr lang="en-GB" dirty="0" smtClean="0">
-                <a:hlinkClick r:id="rId2"/>
-              </a:rPr>
-              <a:t>https://github.com/twbs/bootstrap-sass</a:t>
-            </a:r>
-            <a:endParaRPr lang="en-GB" dirty="0" smtClean="0"/>
-          </a:p>
-          <a:p>
-            <a:r>
-              <a:rPr lang="en-GB" dirty="0" smtClean="0"/>
-              <a:t>If source maps are enabled, use that to see how a component is built in the SCSS source code using your web inspector</a:t>
+              <a:t>We might need yet another button variation because default, primary, success, error and danger might not be enough</a:t>
+            </a:r>
+          </a:p>
+          <a:p>
+            <a:r>
+              <a:rPr lang="en-GB" dirty="0" smtClean="0"/>
+              <a:t>Rather than creating a new class and manually recreating all the properties, chances are there’s a helper within Bootstrap that’ll let you quickly build another component variation</a:t>
             </a:r>
             <a:endParaRPr lang="en-GB" dirty="0"/>
           </a:p>
@@ -4767,7 +4765,7 @@
     </p:spTree>
     <p:extLst>
       <p:ext uri="{BB962C8B-B14F-4D97-AF65-F5344CB8AC3E}">
-        <p14:creationId xmlns:p14="http://schemas.microsoft.com/office/powerpoint/2010/main" val="3045815073"/>
+        <p14:creationId xmlns:p14="http://schemas.microsoft.com/office/powerpoint/2010/main" val="863677724"/>
       </p:ext>
     </p:extLst>
   </p:cSld>
@@ -4806,12 +4804,14 @@
         </p:nvSpPr>
         <p:spPr/>
         <p:txBody>
-          <a:bodyPr/>
-          <a:lstStyle/>
-          <a:p>
-            <a:r>
-              <a:rPr lang="en-GB" dirty="0" smtClean="0"/>
-              <a:t>Fire up Sublime Text!</a:t>
+          <a:bodyPr>
+            <a:normAutofit fontScale="90000"/>
+          </a:bodyPr>
+          <a:lstStyle/>
+          <a:p>
+            <a:r>
+              <a:rPr lang="en-GB" dirty="0" smtClean="0"/>
+              <a:t>How can I find out if a helper utility exists?</a:t>
             </a:r>
             <a:endParaRPr lang="en-GB" dirty="0"/>
           </a:p>
@@ -4834,21 +4834,33 @@
           <a:p>
             <a:r>
               <a:rPr lang="en-GB" dirty="0" smtClean="0"/>
-              <a:t>If you open up _</a:t>
+              <a:t>Go to the Bootstrap-sass </a:t>
+            </a:r>
+            <a:r>
+              <a:rPr lang="en-GB" dirty="0" err="1"/>
+              <a:t>G</a:t>
             </a:r>
             <a:r>
               <a:rPr lang="en-GB" dirty="0" err="1" smtClean="0"/>
-              <a:t>buttons.scss</a:t>
-            </a:r>
-            <a:r>
-              <a:rPr lang="en-GB" dirty="0" smtClean="0"/>
-              <a:t> in the source folder of the project you can see how you can quickly generate new button variations.</a:t>
-            </a:r>
-          </a:p>
-          <a:p>
-            <a:pPr marL="0" indent="0">
-              <a:buNone/>
-            </a:pPr>
+              <a:t>ithub</a:t>
+            </a:r>
+            <a:r>
+              <a:rPr lang="en-GB" dirty="0" smtClean="0"/>
+              <a:t> repo and search the source code. </a:t>
+            </a:r>
+            <a:r>
+              <a:rPr lang="en-GB" dirty="0" smtClean="0">
+                <a:hlinkClick r:id="rId2"/>
+              </a:rPr>
+              <a:t>https://github.com/twbs/bootstrap-sass</a:t>
+            </a:r>
+            <a:endParaRPr lang="en-GB" dirty="0" smtClean="0"/>
+          </a:p>
+          <a:p>
+            <a:r>
+              <a:rPr lang="en-GB" dirty="0" smtClean="0"/>
+              <a:t>If source maps are enabled, use that to see how a component is built in the SCSS source code using your web inspector</a:t>
+            </a:r>
             <a:endParaRPr lang="en-GB" dirty="0"/>
           </a:p>
         </p:txBody>
@@ -4856,7 +4868,7 @@
     </p:spTree>
     <p:extLst>
       <p:ext uri="{BB962C8B-B14F-4D97-AF65-F5344CB8AC3E}">
-        <p14:creationId xmlns:p14="http://schemas.microsoft.com/office/powerpoint/2010/main" val="2618209843"/>
+        <p14:creationId xmlns:p14="http://schemas.microsoft.com/office/powerpoint/2010/main" val="3045815073"/>
       </p:ext>
     </p:extLst>
   </p:cSld>
@@ -4890,17 +4902,17 @@
             <a:spLocks noGrp="1"/>
           </p:cNvSpPr>
           <p:nvPr>
-            <p:ph type="ctrTitle"/>
-          </p:nvPr>
-        </p:nvSpPr>
-        <p:spPr/>
-        <p:txBody>
-          <a:bodyPr/>
-          <a:lstStyle/>
-          <a:p>
-            <a:r>
-              <a:rPr lang="en-GB" dirty="0" smtClean="0"/>
-              <a:t>Part 4</a:t>
+            <p:ph type="title"/>
+          </p:nvPr>
+        </p:nvSpPr>
+        <p:spPr/>
+        <p:txBody>
+          <a:bodyPr/>
+          <a:lstStyle/>
+          <a:p>
+            <a:r>
+              <a:rPr lang="en-GB" dirty="0" smtClean="0"/>
+              <a:t>Fire up Sublime Text!</a:t>
             </a:r>
             <a:endParaRPr lang="en-GB" dirty="0"/>
           </a:p>
@@ -4908,35 +4920,36 @@
       </p:sp>
       <p:sp>
         <p:nvSpPr>
-          <p:cNvPr id="3" name="Subtitle 2"/>
-          <p:cNvSpPr>
-            <a:spLocks noGrp="1"/>
-          </p:cNvSpPr>
-          <p:nvPr>
-            <p:ph type="subTitle" idx="1"/>
-          </p:nvPr>
-        </p:nvSpPr>
-        <p:spPr/>
-        <p:txBody>
-          <a:bodyPr>
-            <a:normAutofit fontScale="92500" lnSpcReduction="20000"/>
-          </a:bodyPr>
-          <a:lstStyle/>
-          <a:p>
-            <a:r>
-              <a:rPr lang="en-GB" dirty="0" smtClean="0"/>
-              <a:t>Using utility classes</a:t>
-            </a:r>
-            <a:endParaRPr lang="en-GB" dirty="0" smtClean="0"/>
-          </a:p>
-          <a:p>
-            <a:endParaRPr lang="en-GB" dirty="0"/>
-          </a:p>
-          <a:p>
-            <a:r>
-              <a:rPr lang="en-GB" dirty="0" smtClean="0"/>
-              <a:t>Before we start, please checkout the branch “part-four”</a:t>
-            </a:r>
+          <p:cNvPr id="3" name="Content Placeholder 2"/>
+          <p:cNvSpPr>
+            <a:spLocks noGrp="1"/>
+          </p:cNvSpPr>
+          <p:nvPr>
+            <p:ph idx="1"/>
+          </p:nvPr>
+        </p:nvSpPr>
+        <p:spPr/>
+        <p:txBody>
+          <a:bodyPr/>
+          <a:lstStyle/>
+          <a:p>
+            <a:r>
+              <a:rPr lang="en-GB" dirty="0" smtClean="0"/>
+              <a:t>If you open up _</a:t>
+            </a:r>
+            <a:r>
+              <a:rPr lang="en-GB" dirty="0" err="1" smtClean="0"/>
+              <a:t>buttons.scss</a:t>
+            </a:r>
+            <a:r>
+              <a:rPr lang="en-GB" dirty="0" smtClean="0"/>
+              <a:t> in the source folder of the project you can see how you can quickly generate new button variations.</a:t>
+            </a:r>
+          </a:p>
+          <a:p>
+            <a:pPr marL="0" indent="0">
+              <a:buNone/>
+            </a:pPr>
             <a:endParaRPr lang="en-GB" dirty="0"/>
           </a:p>
         </p:txBody>
@@ -4944,7 +4957,7 @@
     </p:spTree>
     <p:extLst>
       <p:ext uri="{BB962C8B-B14F-4D97-AF65-F5344CB8AC3E}">
-        <p14:creationId xmlns:p14="http://schemas.microsoft.com/office/powerpoint/2010/main" val="3479538093"/>
+        <p14:creationId xmlns:p14="http://schemas.microsoft.com/office/powerpoint/2010/main" val="2618209843"/>
       </p:ext>
     </p:extLst>
   </p:cSld>
@@ -4978,6 +4991,93 @@
             <a:spLocks noGrp="1"/>
           </p:cNvSpPr>
           <p:nvPr>
+            <p:ph type="ctrTitle"/>
+          </p:nvPr>
+        </p:nvSpPr>
+        <p:spPr/>
+        <p:txBody>
+          <a:bodyPr/>
+          <a:lstStyle/>
+          <a:p>
+            <a:r>
+              <a:rPr lang="en-GB" dirty="0" smtClean="0"/>
+              <a:t>Part 4</a:t>
+            </a:r>
+            <a:endParaRPr lang="en-GB" dirty="0"/>
+          </a:p>
+        </p:txBody>
+      </p:sp>
+      <p:sp>
+        <p:nvSpPr>
+          <p:cNvPr id="3" name="Subtitle 2"/>
+          <p:cNvSpPr>
+            <a:spLocks noGrp="1"/>
+          </p:cNvSpPr>
+          <p:nvPr>
+            <p:ph type="subTitle" idx="1"/>
+          </p:nvPr>
+        </p:nvSpPr>
+        <p:spPr/>
+        <p:txBody>
+          <a:bodyPr>
+            <a:normAutofit fontScale="92500" lnSpcReduction="20000"/>
+          </a:bodyPr>
+          <a:lstStyle/>
+          <a:p>
+            <a:r>
+              <a:rPr lang="en-GB" dirty="0" smtClean="0"/>
+              <a:t>Using utility classes</a:t>
+            </a:r>
+          </a:p>
+          <a:p>
+            <a:endParaRPr lang="en-GB" dirty="0"/>
+          </a:p>
+          <a:p>
+            <a:r>
+              <a:rPr lang="en-GB" dirty="0" smtClean="0"/>
+              <a:t>Before we start, please checkout the branch “part-four”</a:t>
+            </a:r>
+            <a:endParaRPr lang="en-GB" dirty="0"/>
+          </a:p>
+        </p:txBody>
+      </p:sp>
+    </p:spTree>
+    <p:extLst>
+      <p:ext uri="{BB962C8B-B14F-4D97-AF65-F5344CB8AC3E}">
+        <p14:creationId xmlns:p14="http://schemas.microsoft.com/office/powerpoint/2010/main" val="3479538093"/>
+      </p:ext>
+    </p:extLst>
+  </p:cSld>
+  <p:clrMapOvr>
+    <a:masterClrMapping/>
+  </p:clrMapOvr>
+</p:sld>
+</file>
+
+<file path=ppt/slides/slide24.xml><?xml version="1.0" encoding="utf-8"?>
+<p:sld xmlns:a="http://schemas.openxmlformats.org/drawingml/2006/main" xmlns:r="http://schemas.openxmlformats.org/officeDocument/2006/relationships" xmlns:p="http://schemas.openxmlformats.org/presentationml/2006/main">
+  <p:cSld>
+    <p:spTree>
+      <p:nvGrpSpPr>
+        <p:cNvPr id="1" name=""/>
+        <p:cNvGrpSpPr/>
+        <p:nvPr/>
+      </p:nvGrpSpPr>
+      <p:grpSpPr>
+        <a:xfrm>
+          <a:off x="0" y="0"/>
+          <a:ext cx="0" cy="0"/>
+          <a:chOff x="0" y="0"/>
+          <a:chExt cx="0" cy="0"/>
+        </a:xfrm>
+      </p:grpSpPr>
+      <p:sp>
+        <p:nvSpPr>
+          <p:cNvPr id="2" name="Title 1"/>
+          <p:cNvSpPr>
+            <a:spLocks noGrp="1"/>
+          </p:cNvSpPr>
+          <p:nvPr>
             <p:ph type="title"/>
           </p:nvPr>
         </p:nvSpPr>
@@ -5044,6 +5144,228 @@
     <p:extLst>
       <p:ext uri="{BB962C8B-B14F-4D97-AF65-F5344CB8AC3E}">
         <p14:creationId xmlns:p14="http://schemas.microsoft.com/office/powerpoint/2010/main" val="2308807597"/>
+      </p:ext>
+    </p:extLst>
+  </p:cSld>
+  <p:clrMapOvr>
+    <a:masterClrMapping/>
+  </p:clrMapOvr>
+</p:sld>
+</file>
+
+<file path=ppt/slides/slide25.xml><?xml version="1.0" encoding="utf-8"?>
+<p:sld xmlns:a="http://schemas.openxmlformats.org/drawingml/2006/main" xmlns:r="http://schemas.openxmlformats.org/officeDocument/2006/relationships" xmlns:p="http://schemas.openxmlformats.org/presentationml/2006/main">
+  <p:cSld>
+    <p:spTree>
+      <p:nvGrpSpPr>
+        <p:cNvPr id="1" name=""/>
+        <p:cNvGrpSpPr/>
+        <p:nvPr/>
+      </p:nvGrpSpPr>
+      <p:grpSpPr>
+        <a:xfrm>
+          <a:off x="0" y="0"/>
+          <a:ext cx="0" cy="0"/>
+          <a:chOff x="0" y="0"/>
+          <a:chExt cx="0" cy="0"/>
+        </a:xfrm>
+      </p:grpSpPr>
+      <p:sp>
+        <p:nvSpPr>
+          <p:cNvPr id="2" name="Title 1"/>
+          <p:cNvSpPr>
+            <a:spLocks noGrp="1"/>
+          </p:cNvSpPr>
+          <p:nvPr>
+            <p:ph type="ctrTitle"/>
+          </p:nvPr>
+        </p:nvSpPr>
+        <p:spPr/>
+        <p:txBody>
+          <a:bodyPr/>
+          <a:lstStyle/>
+          <a:p>
+            <a:r>
+              <a:rPr lang="en-US" dirty="0" smtClean="0"/>
+              <a:t>Part 5</a:t>
+            </a:r>
+            <a:endParaRPr lang="en-US" dirty="0"/>
+          </a:p>
+        </p:txBody>
+      </p:sp>
+      <p:sp>
+        <p:nvSpPr>
+          <p:cNvPr id="3" name="Subtitle 2"/>
+          <p:cNvSpPr>
+            <a:spLocks noGrp="1"/>
+          </p:cNvSpPr>
+          <p:nvPr>
+            <p:ph type="subTitle" idx="1"/>
+          </p:nvPr>
+        </p:nvSpPr>
+        <p:spPr/>
+        <p:txBody>
+          <a:bodyPr>
+            <a:normAutofit fontScale="70000" lnSpcReduction="20000"/>
+          </a:bodyPr>
+          <a:lstStyle/>
+          <a:p>
+            <a:r>
+              <a:rPr lang="en-GB" dirty="0" smtClean="0"/>
+              <a:t>Putting the finishing touches on your site by creating your own styles</a:t>
+            </a:r>
+            <a:endParaRPr lang="en-GB" dirty="0"/>
+          </a:p>
+          <a:p>
+            <a:endParaRPr lang="en-GB" dirty="0"/>
+          </a:p>
+          <a:p>
+            <a:r>
+              <a:rPr lang="en-GB" dirty="0"/>
+              <a:t>Before we start, please checkout the branch “part-four”</a:t>
+            </a:r>
+          </a:p>
+          <a:p>
+            <a:endParaRPr lang="en-US" dirty="0"/>
+          </a:p>
+        </p:txBody>
+      </p:sp>
+    </p:spTree>
+    <p:extLst>
+      <p:ext uri="{BB962C8B-B14F-4D97-AF65-F5344CB8AC3E}">
+        <p14:creationId xmlns:p14="http://schemas.microsoft.com/office/powerpoint/2010/main" val="1950676979"/>
+      </p:ext>
+    </p:extLst>
+  </p:cSld>
+  <p:clrMapOvr>
+    <a:masterClrMapping/>
+  </p:clrMapOvr>
+</p:sld>
+</file>
+
+<file path=ppt/slides/slide26.xml><?xml version="1.0" encoding="utf-8"?>
+<p:sld xmlns:a="http://schemas.openxmlformats.org/drawingml/2006/main" xmlns:r="http://schemas.openxmlformats.org/officeDocument/2006/relationships" xmlns:p="http://schemas.openxmlformats.org/presentationml/2006/main">
+  <p:cSld>
+    <p:spTree>
+      <p:nvGrpSpPr>
+        <p:cNvPr id="1" name=""/>
+        <p:cNvGrpSpPr/>
+        <p:nvPr/>
+      </p:nvGrpSpPr>
+      <p:grpSpPr>
+        <a:xfrm>
+          <a:off x="0" y="0"/>
+          <a:ext cx="0" cy="0"/>
+          <a:chOff x="0" y="0"/>
+          <a:chExt cx="0" cy="0"/>
+        </a:xfrm>
+      </p:grpSpPr>
+      <p:sp>
+        <p:nvSpPr>
+          <p:cNvPr id="2" name="Title 1"/>
+          <p:cNvSpPr>
+            <a:spLocks noGrp="1"/>
+          </p:cNvSpPr>
+          <p:nvPr>
+            <p:ph type="title"/>
+          </p:nvPr>
+        </p:nvSpPr>
+        <p:spPr/>
+        <p:txBody>
+          <a:bodyPr/>
+          <a:lstStyle/>
+          <a:p>
+            <a:r>
+              <a:rPr lang="en-US" dirty="0" smtClean="0"/>
+              <a:t>Best practices</a:t>
+            </a:r>
+            <a:endParaRPr lang="en-US" dirty="0"/>
+          </a:p>
+        </p:txBody>
+      </p:sp>
+      <p:sp>
+        <p:nvSpPr>
+          <p:cNvPr id="3" name="Content Placeholder 2"/>
+          <p:cNvSpPr>
+            <a:spLocks noGrp="1"/>
+          </p:cNvSpPr>
+          <p:nvPr>
+            <p:ph idx="1"/>
+          </p:nvPr>
+        </p:nvSpPr>
+        <p:spPr/>
+        <p:txBody>
+          <a:bodyPr>
+            <a:normAutofit fontScale="85000" lnSpcReduction="10000"/>
+          </a:bodyPr>
+          <a:lstStyle/>
+          <a:p>
+            <a:r>
+              <a:rPr lang="en-US" dirty="0" smtClean="0"/>
+              <a:t>If you need to add your own styles, then try to make use of all the variables made available in the Bootstrap </a:t>
+            </a:r>
+            <a:r>
+              <a:rPr lang="en-US" dirty="0" err="1" smtClean="0"/>
+              <a:t>config</a:t>
+            </a:r>
+            <a:r>
+              <a:rPr lang="en-US" dirty="0" smtClean="0"/>
+              <a:t>, it comes with </a:t>
+            </a:r>
+            <a:r>
+              <a:rPr lang="en-US" dirty="0" err="1" smtClean="0"/>
+              <a:t>standardised</a:t>
+            </a:r>
+            <a:r>
+              <a:rPr lang="en-US" dirty="0" smtClean="0"/>
+              <a:t> padding, font sizes, </a:t>
+            </a:r>
+            <a:r>
+              <a:rPr lang="en-US" dirty="0" err="1" smtClean="0"/>
+              <a:t>colours</a:t>
+            </a:r>
+            <a:r>
+              <a:rPr lang="en-US" dirty="0" smtClean="0"/>
+              <a:t>, etc. There’s no point not using them</a:t>
+            </a:r>
+          </a:p>
+          <a:p>
+            <a:r>
+              <a:rPr lang="en-US" dirty="0" smtClean="0"/>
+              <a:t>Use the Bootstrap breakpoints for your media queries. There’s no point in adding more than the 4 breakpoints that ship with the framework (</a:t>
+            </a:r>
+            <a:r>
+              <a:rPr lang="en-US" dirty="0" err="1" smtClean="0"/>
+              <a:t>xs</a:t>
+            </a:r>
+            <a:r>
+              <a:rPr lang="en-US" dirty="0" smtClean="0"/>
+              <a:t> for mobile, </a:t>
+            </a:r>
+            <a:r>
+              <a:rPr lang="en-US" dirty="0" err="1" smtClean="0"/>
+              <a:t>sm</a:t>
+            </a:r>
+            <a:r>
+              <a:rPr lang="en-US" dirty="0" smtClean="0"/>
+              <a:t> for portrait tablet, md for landscape tablet and </a:t>
+            </a:r>
+            <a:r>
+              <a:rPr lang="en-US" dirty="0" err="1" smtClean="0"/>
+              <a:t>lg</a:t>
+            </a:r>
+            <a:r>
+              <a:rPr lang="en-US" dirty="0" smtClean="0"/>
+              <a:t> for desktop) otherwise your site just becomes a mess and hard to maintain</a:t>
+            </a:r>
+            <a:endParaRPr lang="en-US" dirty="0"/>
+          </a:p>
+        </p:txBody>
+      </p:sp>
+    </p:spTree>
+    <p:extLst>
+      <p:ext uri="{BB962C8B-B14F-4D97-AF65-F5344CB8AC3E}">
+        <p14:creationId xmlns:p14="http://schemas.microsoft.com/office/powerpoint/2010/main" val="2106351692"/>
       </p:ext>
     </p:extLst>
   </p:cSld>
@@ -5620,10 +5942,14 @@
           <a:lstStyle/>
           <a:p>
             <a:r>
-              <a:rPr lang="en-GB" dirty="0" smtClean="0"/>
-              <a:t>Part 1</a:t>
-            </a:r>
-            <a:endParaRPr lang="en-GB" dirty="0"/>
+              <a:rPr lang="en-US" dirty="0" smtClean="0"/>
+              <a:t>Before we start</a:t>
+            </a:r>
+            <a:r>
+              <a:rPr lang="is-IS" dirty="0" smtClean="0"/>
+              <a:t>…</a:t>
+            </a:r>
+            <a:endParaRPr lang="en-US" dirty="0"/>
           </a:p>
         </p:txBody>
       </p:sp>
@@ -5639,26 +5965,21 @@
         </p:nvSpPr>
         <p:spPr/>
         <p:txBody>
-          <a:bodyPr>
-            <a:normAutofit lnSpcReduction="10000"/>
-          </a:bodyPr>
-          <a:lstStyle/>
-          <a:p>
-            <a:pPr marL="0" lvl="1"/>
-            <a:r>
-              <a:rPr lang="en-GB" dirty="0" smtClean="0"/>
-              <a:t>Looking at visuals and identifying which existing Bootstrap components to use so that you can build a skeleton site without writing a single line of (S)CSS</a:t>
-            </a:r>
-          </a:p>
-          <a:p>
-            <a:endParaRPr lang="en-GB" dirty="0"/>
+          <a:bodyPr/>
+          <a:lstStyle/>
+          <a:p>
+            <a:r>
+              <a:rPr lang="en-US" dirty="0" smtClean="0"/>
+              <a:t>This is all opinionated, if you don’t agree with something I say then speak up</a:t>
+            </a:r>
+            <a:endParaRPr lang="en-US" dirty="0"/>
           </a:p>
         </p:txBody>
       </p:sp>
     </p:spTree>
     <p:extLst>
       <p:ext uri="{BB962C8B-B14F-4D97-AF65-F5344CB8AC3E}">
-        <p14:creationId xmlns:p14="http://schemas.microsoft.com/office/powerpoint/2010/main" val="3216961046"/>
+        <p14:creationId xmlns:p14="http://schemas.microsoft.com/office/powerpoint/2010/main" val="1520267447"/>
       </p:ext>
     </p:extLst>
   </p:cSld>
@@ -5692,55 +6013,54 @@
             <a:spLocks noGrp="1"/>
           </p:cNvSpPr>
           <p:nvPr>
-            <p:ph type="title"/>
-          </p:nvPr>
-        </p:nvSpPr>
-        <p:spPr>
-          <a:xfrm>
-            <a:off x="457200" y="274637"/>
-            <a:ext cx="4517320" cy="6319471"/>
-          </a:xfrm>
-        </p:spPr>
+            <p:ph type="ctrTitle"/>
+          </p:nvPr>
+        </p:nvSpPr>
+        <p:spPr/>
+        <p:txBody>
+          <a:bodyPr/>
+          <a:lstStyle/>
+          <a:p>
+            <a:r>
+              <a:rPr lang="en-GB" dirty="0" smtClean="0"/>
+              <a:t>Part 1</a:t>
+            </a:r>
+            <a:endParaRPr lang="en-GB" dirty="0"/>
+          </a:p>
+        </p:txBody>
+      </p:sp>
+      <p:sp>
+        <p:nvSpPr>
+          <p:cNvPr id="3" name="Subtitle 2"/>
+          <p:cNvSpPr>
+            <a:spLocks noGrp="1"/>
+          </p:cNvSpPr>
+          <p:nvPr>
+            <p:ph type="subTitle" idx="1"/>
+          </p:nvPr>
+        </p:nvSpPr>
+        <p:spPr/>
         <p:txBody>
           <a:bodyPr>
-            <a:normAutofit/>
+            <a:normAutofit lnSpcReduction="10000"/>
           </a:bodyPr>
           <a:lstStyle/>
           <a:p>
-            <a:r>
-              <a:rPr lang="en-GB" dirty="0" smtClean="0"/>
-              <a:t>Look at this design: which existing Bootstrap components can we use?</a:t>
-            </a:r>
+            <a:pPr marL="0" lvl="1"/>
+            <a:r>
+              <a:rPr lang="en-GB" dirty="0" smtClean="0"/>
+              <a:t>Looking at visuals and identifying which existing Bootstrap components to use so that you can build a skeleton site without writing a single line of (S)CSS</a:t>
+            </a:r>
+          </a:p>
+          <a:p>
             <a:endParaRPr lang="en-GB" dirty="0"/>
           </a:p>
         </p:txBody>
       </p:sp>
-      <p:pic>
-        <p:nvPicPr>
-          <p:cNvPr id="4" name="Content Placeholder 3"/>
-          <p:cNvPicPr>
-            <a:picLocks noGrp="1" noChangeAspect="1"/>
-          </p:cNvPicPr>
-          <p:nvPr>
-            <p:ph idx="1"/>
-          </p:nvPr>
-        </p:nvPicPr>
-        <p:blipFill rotWithShape="1">
-          <a:blip r:embed="rId2"/>
-          <a:srcRect l="15224" r="15224"/>
-          <a:stretch/>
-        </p:blipFill>
-        <p:spPr>
-          <a:xfrm>
-            <a:off x="4974520" y="274637"/>
-            <a:ext cx="2767193" cy="6336760"/>
-          </a:xfrm>
-        </p:spPr>
-      </p:pic>
     </p:spTree>
     <p:extLst>
       <p:ext uri="{BB962C8B-B14F-4D97-AF65-F5344CB8AC3E}">
-        <p14:creationId xmlns:p14="http://schemas.microsoft.com/office/powerpoint/2010/main" val="4031909891"/>
+        <p14:creationId xmlns:p14="http://schemas.microsoft.com/office/powerpoint/2010/main" val="3216961046"/>
       </p:ext>
     </p:extLst>
   </p:cSld>
